--- a/Project Presentation/Bank System Project.pptx
+++ b/Project Presentation/Bank System Project.pptx
@@ -120,6 +120,11 @@
       </a:defRPr>
     </a:lvl9pPr>
   </p:defaultTextStyle>
+  <p:extLst>
+    <p:ext uri="{EFAFB233-063F-42B5-8137-9DF3F51BA10A}">
+      <p15:sldGuideLst xmlns:p15="http://schemas.microsoft.com/office/powerpoint/2012/main"/>
+    </p:ext>
+  </p:extLst>
 </p:presentation>
 </file>
 
@@ -270,7 +275,7 @@
           <a:p>
             <a:fld id="{AC2AFD14-C1B2-4DFB-9305-5578E03ACB86}" type="datetimeFigureOut">
               <a:rPr lang="en-US" smtClean="0"/>
-              <a:t>7/21/2024</a:t>
+              <a:t>7/22/2024</a:t>
             </a:fld>
             <a:endParaRPr lang="en-US"/>
           </a:p>
@@ -468,7 +473,7 @@
           <a:p>
             <a:fld id="{AC2AFD14-C1B2-4DFB-9305-5578E03ACB86}" type="datetimeFigureOut">
               <a:rPr lang="en-US" smtClean="0"/>
-              <a:t>7/21/2024</a:t>
+              <a:t>7/22/2024</a:t>
             </a:fld>
             <a:endParaRPr lang="en-US"/>
           </a:p>
@@ -676,7 +681,7 @@
           <a:p>
             <a:fld id="{AC2AFD14-C1B2-4DFB-9305-5578E03ACB86}" type="datetimeFigureOut">
               <a:rPr lang="en-US" smtClean="0"/>
-              <a:t>7/21/2024</a:t>
+              <a:t>7/22/2024</a:t>
             </a:fld>
             <a:endParaRPr lang="en-US"/>
           </a:p>
@@ -874,7 +879,7 @@
           <a:p>
             <a:fld id="{AC2AFD14-C1B2-4DFB-9305-5578E03ACB86}" type="datetimeFigureOut">
               <a:rPr lang="en-US" smtClean="0"/>
-              <a:t>7/21/2024</a:t>
+              <a:t>7/22/2024</a:t>
             </a:fld>
             <a:endParaRPr lang="en-US"/>
           </a:p>
@@ -1149,7 +1154,7 @@
           <a:p>
             <a:fld id="{AC2AFD14-C1B2-4DFB-9305-5578E03ACB86}" type="datetimeFigureOut">
               <a:rPr lang="en-US" smtClean="0"/>
-              <a:t>7/21/2024</a:t>
+              <a:t>7/22/2024</a:t>
             </a:fld>
             <a:endParaRPr lang="en-US"/>
           </a:p>
@@ -1414,7 +1419,7 @@
           <a:p>
             <a:fld id="{AC2AFD14-C1B2-4DFB-9305-5578E03ACB86}" type="datetimeFigureOut">
               <a:rPr lang="en-US" smtClean="0"/>
-              <a:t>7/21/2024</a:t>
+              <a:t>7/22/2024</a:t>
             </a:fld>
             <a:endParaRPr lang="en-US"/>
           </a:p>
@@ -1826,7 +1831,7 @@
           <a:p>
             <a:fld id="{AC2AFD14-C1B2-4DFB-9305-5578E03ACB86}" type="datetimeFigureOut">
               <a:rPr lang="en-US" smtClean="0"/>
-              <a:t>7/21/2024</a:t>
+              <a:t>7/22/2024</a:t>
             </a:fld>
             <a:endParaRPr lang="en-US"/>
           </a:p>
@@ -1967,7 +1972,7 @@
           <a:p>
             <a:fld id="{AC2AFD14-C1B2-4DFB-9305-5578E03ACB86}" type="datetimeFigureOut">
               <a:rPr lang="en-US" smtClean="0"/>
-              <a:t>7/21/2024</a:t>
+              <a:t>7/22/2024</a:t>
             </a:fld>
             <a:endParaRPr lang="en-US"/>
           </a:p>
@@ -2080,7 +2085,7 @@
           <a:p>
             <a:fld id="{AC2AFD14-C1B2-4DFB-9305-5578E03ACB86}" type="datetimeFigureOut">
               <a:rPr lang="en-US" smtClean="0"/>
-              <a:t>7/21/2024</a:t>
+              <a:t>7/22/2024</a:t>
             </a:fld>
             <a:endParaRPr lang="en-US"/>
           </a:p>
@@ -2391,7 +2396,7 @@
           <a:p>
             <a:fld id="{AC2AFD14-C1B2-4DFB-9305-5578E03ACB86}" type="datetimeFigureOut">
               <a:rPr lang="en-US" smtClean="0"/>
-              <a:t>7/21/2024</a:t>
+              <a:t>7/22/2024</a:t>
             </a:fld>
             <a:endParaRPr lang="en-US"/>
           </a:p>
@@ -2679,7 +2684,7 @@
           <a:p>
             <a:fld id="{AC2AFD14-C1B2-4DFB-9305-5578E03ACB86}" type="datetimeFigureOut">
               <a:rPr lang="en-US" smtClean="0"/>
-              <a:t>7/21/2024</a:t>
+              <a:t>7/22/2024</a:t>
             </a:fld>
             <a:endParaRPr lang="en-US"/>
           </a:p>
@@ -2929,7 +2934,7 @@
           <a:p>
             <a:fld id="{AC2AFD14-C1B2-4DFB-9305-5578E03ACB86}" type="datetimeFigureOut">
               <a:rPr lang="en-US" smtClean="0"/>
-              <a:t>7/21/2024</a:t>
+              <a:t>7/22/2024</a:t>
             </a:fld>
             <a:endParaRPr lang="en-US"/>
           </a:p>
@@ -3658,7 +3663,7 @@
                   <a:schemeClr val="bg1"/>
                 </a:solidFill>
               </a:rPr>
-              <a:t>These classes use Prototype design pattern to manage Database Json files.</a:t>
+              <a:t>These classes use Prototype design pattern to manage Json Database files.</a:t>
             </a:r>
           </a:p>
           <a:p>
@@ -3774,7 +3779,7 @@
                   <a:schemeClr val="bg1"/>
                 </a:solidFill>
               </a:rPr>
-              <a:t>This File System used to interact with server handler class to load and update data of files.</a:t>
+              <a:t>This File System is used to interact with server handler class to load and update data of files.</a:t>
             </a:r>
           </a:p>
           <a:p>
@@ -3814,17 +3819,17 @@
                   <a:schemeClr val="bg1"/>
                 </a:solidFill>
               </a:rPr>
-              <a:t>1. Email</a:t>
-            </a:r>
-          </a:p>
-          <a:p>
-            <a:r>
-              <a:rPr lang="en-US" dirty="0">
-                <a:solidFill>
-                  <a:schemeClr val="bg1"/>
-                </a:solidFill>
-              </a:rPr>
-              <a:t>2. Password </a:t>
+              <a:t>1. Email.</a:t>
+            </a:r>
+          </a:p>
+          <a:p>
+            <a:r>
+              <a:rPr lang="en-US" dirty="0">
+                <a:solidFill>
+                  <a:schemeClr val="bg1"/>
+                </a:solidFill>
+              </a:rPr>
+              <a:t>2. Password. </a:t>
             </a:r>
           </a:p>
           <a:p>
@@ -4802,7 +4807,7 @@
                   <a:schemeClr val="bg1"/>
                 </a:solidFill>
               </a:rPr>
-              <a:t>Database System overview.</a:t>
+              <a:t>File Management System overview (Database).</a:t>
             </a:r>
           </a:p>
           <a:p>
@@ -5302,7 +5307,7 @@
                   <a:schemeClr val="bg1"/>
                 </a:solidFill>
               </a:rPr>
-              <a:t>This system is a Many Different widget which is controlled to show or hide by pointers, each Window has its 3 Files:</a:t>
+              <a:t>This system is a Many Different widgets which is controlled to show or hide by pointers, each Window has its 3 Files:</a:t>
             </a:r>
           </a:p>
           <a:p>
@@ -5678,7 +5683,7 @@
                   <a:schemeClr val="bg1"/>
                 </a:solidFill>
               </a:rPr>
-              <a:t>This is a console application, its main functionality is handling responses of different client concurrently by making new thread with each new socket connection.</a:t>
+              <a:t>This is a console application, its main functionality is handling responses of different clients concurrently by making new thread with each new socket connection.</a:t>
             </a:r>
           </a:p>
           <a:p>
@@ -5698,17 +5703,17 @@
                   <a:schemeClr val="bg1"/>
                 </a:solidFill>
               </a:rPr>
-              <a:t>1. After a client application connect to the server, the Server makes a new thread of a server handler class to handle the client requests concurrently to the main server application.</a:t>
-            </a:r>
-          </a:p>
-          <a:p>
-            <a:r>
-              <a:rPr lang="en-US" dirty="0">
-                <a:solidFill>
-                  <a:schemeClr val="bg1"/>
-                </a:solidFill>
-              </a:rPr>
-              <a:t>2. Server Handler class divide data into Request and Info and send it to a Request handler class, to handle the data, then interact to the file management system and finally return response to Server Handler class</a:t>
+              <a:t>1. After a client application connected to the server, the Server makes a new thread of a server handler class to handle the client requests concurrently to the main server application.</a:t>
+            </a:r>
+          </a:p>
+          <a:p>
+            <a:r>
+              <a:rPr lang="en-US" dirty="0">
+                <a:solidFill>
+                  <a:schemeClr val="bg1"/>
+                </a:solidFill>
+              </a:rPr>
+              <a:t>2. Server Handler class divide data into Request and Info and send it to a Request handler class, to handle the data, then interact to the file management system and finally return response to Server Handler class.</a:t>
             </a:r>
           </a:p>
         </p:txBody>
